--- a/Tutorial_material/20190925/20190925.pptx
+++ b/Tutorial_material/20190925/20190925.pptx
@@ -110,6 +110,11 @@
       </a:defRPr>
     </a:lvl9pPr>
   </p:defaultTextStyle>
+  <p:extLst>
+    <p:ext uri="{EFAFB233-063F-42B5-8137-9DF3F51BA10A}">
+      <p15:sldGuideLst xmlns:p15="http://schemas.microsoft.com/office/powerpoint/2012/main"/>
+    </p:ext>
+  </p:extLst>
 </p:presentation>
 </file>
 
@@ -260,7 +265,7 @@
           <a:p>
             <a:fld id="{2BFE4681-8077-4741-AAC9-5F0B56BC6674}" type="datetimeFigureOut">
               <a:rPr lang="zh-CN" altLang="en-US" smtClean="0"/>
-              <a:t>2019/9/18</a:t>
+              <a:t>2019/9/25</a:t>
             </a:fld>
             <a:endParaRPr lang="zh-CN" altLang="en-US"/>
           </a:p>
@@ -458,7 +463,7 @@
           <a:p>
             <a:fld id="{2BFE4681-8077-4741-AAC9-5F0B56BC6674}" type="datetimeFigureOut">
               <a:rPr lang="zh-CN" altLang="en-US" smtClean="0"/>
-              <a:t>2019/9/18</a:t>
+              <a:t>2019/9/25</a:t>
             </a:fld>
             <a:endParaRPr lang="zh-CN" altLang="en-US"/>
           </a:p>
@@ -666,7 +671,7 @@
           <a:p>
             <a:fld id="{2BFE4681-8077-4741-AAC9-5F0B56BC6674}" type="datetimeFigureOut">
               <a:rPr lang="zh-CN" altLang="en-US" smtClean="0"/>
-              <a:t>2019/9/18</a:t>
+              <a:t>2019/9/25</a:t>
             </a:fld>
             <a:endParaRPr lang="zh-CN" altLang="en-US"/>
           </a:p>
@@ -864,7 +869,7 @@
           <a:p>
             <a:fld id="{2BFE4681-8077-4741-AAC9-5F0B56BC6674}" type="datetimeFigureOut">
               <a:rPr lang="zh-CN" altLang="en-US" smtClean="0"/>
-              <a:t>2019/9/18</a:t>
+              <a:t>2019/9/25</a:t>
             </a:fld>
             <a:endParaRPr lang="zh-CN" altLang="en-US"/>
           </a:p>
@@ -1139,7 +1144,7 @@
           <a:p>
             <a:fld id="{2BFE4681-8077-4741-AAC9-5F0B56BC6674}" type="datetimeFigureOut">
               <a:rPr lang="zh-CN" altLang="en-US" smtClean="0"/>
-              <a:t>2019/9/18</a:t>
+              <a:t>2019/9/25</a:t>
             </a:fld>
             <a:endParaRPr lang="zh-CN" altLang="en-US"/>
           </a:p>
@@ -1404,7 +1409,7 @@
           <a:p>
             <a:fld id="{2BFE4681-8077-4741-AAC9-5F0B56BC6674}" type="datetimeFigureOut">
               <a:rPr lang="zh-CN" altLang="en-US" smtClean="0"/>
-              <a:t>2019/9/18</a:t>
+              <a:t>2019/9/25</a:t>
             </a:fld>
             <a:endParaRPr lang="zh-CN" altLang="en-US"/>
           </a:p>
@@ -1816,7 +1821,7 @@
           <a:p>
             <a:fld id="{2BFE4681-8077-4741-AAC9-5F0B56BC6674}" type="datetimeFigureOut">
               <a:rPr lang="zh-CN" altLang="en-US" smtClean="0"/>
-              <a:t>2019/9/18</a:t>
+              <a:t>2019/9/25</a:t>
             </a:fld>
             <a:endParaRPr lang="zh-CN" altLang="en-US"/>
           </a:p>
@@ -1957,7 +1962,7 @@
           <a:p>
             <a:fld id="{2BFE4681-8077-4741-AAC9-5F0B56BC6674}" type="datetimeFigureOut">
               <a:rPr lang="zh-CN" altLang="en-US" smtClean="0"/>
-              <a:t>2019/9/18</a:t>
+              <a:t>2019/9/25</a:t>
             </a:fld>
             <a:endParaRPr lang="zh-CN" altLang="en-US"/>
           </a:p>
@@ -2070,7 +2075,7 @@
           <a:p>
             <a:fld id="{2BFE4681-8077-4741-AAC9-5F0B56BC6674}" type="datetimeFigureOut">
               <a:rPr lang="zh-CN" altLang="en-US" smtClean="0"/>
-              <a:t>2019/9/18</a:t>
+              <a:t>2019/9/25</a:t>
             </a:fld>
             <a:endParaRPr lang="zh-CN" altLang="en-US"/>
           </a:p>
@@ -2381,7 +2386,7 @@
           <a:p>
             <a:fld id="{2BFE4681-8077-4741-AAC9-5F0B56BC6674}" type="datetimeFigureOut">
               <a:rPr lang="zh-CN" altLang="en-US" smtClean="0"/>
-              <a:t>2019/9/18</a:t>
+              <a:t>2019/9/25</a:t>
             </a:fld>
             <a:endParaRPr lang="zh-CN" altLang="en-US"/>
           </a:p>
@@ -2669,7 +2674,7 @@
           <a:p>
             <a:fld id="{2BFE4681-8077-4741-AAC9-5F0B56BC6674}" type="datetimeFigureOut">
               <a:rPr lang="zh-CN" altLang="en-US" smtClean="0"/>
-              <a:t>2019/9/18</a:t>
+              <a:t>2019/9/25</a:t>
             </a:fld>
             <a:endParaRPr lang="zh-CN" altLang="en-US"/>
           </a:p>
@@ -2910,7 +2915,7 @@
           <a:p>
             <a:fld id="{2BFE4681-8077-4741-AAC9-5F0B56BC6674}" type="datetimeFigureOut">
               <a:rPr lang="zh-CN" altLang="en-US" smtClean="0"/>
-              <a:t>2019/9/18</a:t>
+              <a:t>2019/9/25</a:t>
             </a:fld>
             <a:endParaRPr lang="zh-CN" altLang="en-US"/>
           </a:p>
@@ -3372,8 +3377,8 @@
           </a:p>
           <a:p>
             <a:r>
-              <a:rPr lang="en-US" altLang="zh-CN" dirty="0"/>
-              <a:t>20190920</a:t>
+              <a:rPr lang="en-US" altLang="zh-CN"/>
+              <a:t>20190925</a:t>
             </a:r>
             <a:endParaRPr lang="zh-CN" altLang="en-US" dirty="0"/>
           </a:p>
@@ -3505,8 +3510,8 @@
           </a:p>
         </p:txBody>
       </p:sp>
-      <mc:AlternateContent xmlns:mc="http://schemas.openxmlformats.org/markup-compatibility/2006">
-        <mc:Choice xmlns:a14="http://schemas.microsoft.com/office/drawing/2010/main" Requires="a14">
+      <mc:AlternateContent xmlns:mc="http://schemas.openxmlformats.org/markup-compatibility/2006" xmlns:a14="http://schemas.microsoft.com/office/drawing/2010/main">
+        <mc:Choice Requires="a14">
           <p:sp>
             <p:nvSpPr>
               <p:cNvPr id="4" name="文本框 3">
@@ -3669,7 +3674,7 @@
             </p:txBody>
           </p:sp>
         </mc:Choice>
-        <mc:Fallback>
+        <mc:Fallback xmlns="">
           <p:sp>
             <p:nvSpPr>
               <p:cNvPr id="4" name="文本框 3">
@@ -3714,8 +3719,8 @@
           </p:sp>
         </mc:Fallback>
       </mc:AlternateContent>
-      <mc:AlternateContent xmlns:mc="http://schemas.openxmlformats.org/markup-compatibility/2006">
-        <mc:Choice xmlns:a14="http://schemas.microsoft.com/office/drawing/2010/main" Requires="a14">
+      <mc:AlternateContent xmlns:mc="http://schemas.openxmlformats.org/markup-compatibility/2006" xmlns:a14="http://schemas.microsoft.com/office/drawing/2010/main">
+        <mc:Choice Requires="a14">
           <p:sp>
             <p:nvSpPr>
               <p:cNvPr id="5" name="文本框 4">
@@ -3972,13 +3977,7 @@
                           <a:rPr lang="en-US" altLang="zh-CN" sz="2800" b="0" i="1" smtClean="0">
                             <a:latin typeface="Cambria Math" panose="02040503050406030204" pitchFamily="18" charset="0"/>
                           </a:rPr>
-                          <m:t>  </m:t>
-                        </m:r>
-                        <m:r>
-                          <a:rPr lang="en-US" altLang="zh-CN" sz="2800" b="0" i="1" smtClean="0">
-                            <a:latin typeface="Cambria Math" panose="02040503050406030204" pitchFamily="18" charset="0"/>
-                          </a:rPr>
-                          <m:t> </m:t>
+                          <m:t>   </m:t>
                         </m:r>
                       </m:e>
                     </m:func>
@@ -3989,7 +3988,7 @@
             </p:txBody>
           </p:sp>
         </mc:Choice>
-        <mc:Fallback>
+        <mc:Fallback xmlns="">
           <p:sp>
             <p:nvSpPr>
               <p:cNvPr id="5" name="文本框 4">
@@ -4034,8 +4033,8 @@
           </p:sp>
         </mc:Fallback>
       </mc:AlternateContent>
-      <mc:AlternateContent xmlns:mc="http://schemas.openxmlformats.org/markup-compatibility/2006">
-        <mc:Choice xmlns:a14="http://schemas.microsoft.com/office/drawing/2010/main" Requires="a14">
+      <mc:AlternateContent xmlns:mc="http://schemas.openxmlformats.org/markup-compatibility/2006" xmlns:a14="http://schemas.microsoft.com/office/drawing/2010/main">
+        <mc:Choice Requires="a14">
           <p:sp>
             <p:nvSpPr>
               <p:cNvPr id="6" name="文本框 5">
@@ -4118,7 +4117,7 @@
             </p:txBody>
           </p:sp>
         </mc:Choice>
-        <mc:Fallback>
+        <mc:Fallback xmlns="">
           <p:sp>
             <p:nvSpPr>
               <p:cNvPr id="6" name="文本框 5">
@@ -4399,8 +4398,8 @@
           </a:p>
         </p:txBody>
       </p:sp>
-      <mc:AlternateContent xmlns:mc="http://schemas.openxmlformats.org/markup-compatibility/2006">
-        <mc:Choice xmlns:a14="http://schemas.microsoft.com/office/drawing/2010/main" Requires="a14">
+      <mc:AlternateContent xmlns:mc="http://schemas.openxmlformats.org/markup-compatibility/2006" xmlns:a14="http://schemas.microsoft.com/office/drawing/2010/main">
+        <mc:Choice Requires="a14">
           <p:sp>
             <p:nvSpPr>
               <p:cNvPr id="6" name="矩形 5">
@@ -4437,6 +4436,7 @@
                 </a:r>
               </a:p>
               <a:p>
+                <a:pPr/>
                 <a14:m>
                   <m:oMathPara xmlns:m="http://schemas.openxmlformats.org/officeDocument/2006/math">
                     <m:oMathParaPr>
@@ -4539,7 +4539,7 @@
             </p:txBody>
           </p:sp>
         </mc:Choice>
-        <mc:Fallback>
+        <mc:Fallback xmlns="">
           <p:sp>
             <p:nvSpPr>
               <p:cNvPr id="6" name="矩形 5">
